--- a/_design/corona.cooking/logo.pptx
+++ b/_design/corona.cooking/logo.pptx
@@ -6,6 +6,8 @@
   </p:sldMasterIdLst>
   <p:sldIdLst>
     <p:sldId id="256" r:id="rId2"/>
+    <p:sldId id="257" r:id="rId3"/>
+    <p:sldId id="258" r:id="rId4"/>
   </p:sldIdLst>
   <p:sldSz cx="12192000" cy="6858000"/>
   <p:notesSz cx="6858000" cy="9144000"/>
@@ -104,6 +106,11 @@
       </a:defRPr>
     </a:lvl9pPr>
   </p:defaultTextStyle>
+  <p:extLst>
+    <p:ext uri="{EFAFB233-063F-42B5-8137-9DF3F51BA10A}">
+      <p15:sldGuideLst xmlns:p15="http://schemas.microsoft.com/office/powerpoint/2012/main"/>
+    </p:ext>
+  </p:extLst>
 </p:presentation>
 </file>
 
@@ -256,7 +263,7 @@
           <a:p>
             <a:fld id="{D02B87DF-10C3-7349-9289-D53C451130DB}" type="datetimeFigureOut">
               <a:rPr lang="en-US" smtClean="0"/>
-              <a:t>3/23/20</a:t>
+              <a:t>3/24/20</a:t>
             </a:fld>
             <a:endParaRPr lang="en-US"/>
           </a:p>
@@ -456,7 +463,7 @@
           <a:p>
             <a:fld id="{D02B87DF-10C3-7349-9289-D53C451130DB}" type="datetimeFigureOut">
               <a:rPr lang="en-US" smtClean="0"/>
-              <a:t>3/23/20</a:t>
+              <a:t>3/24/20</a:t>
             </a:fld>
             <a:endParaRPr lang="en-US"/>
           </a:p>
@@ -666,7 +673,7 @@
           <a:p>
             <a:fld id="{D02B87DF-10C3-7349-9289-D53C451130DB}" type="datetimeFigureOut">
               <a:rPr lang="en-US" smtClean="0"/>
-              <a:t>3/23/20</a:t>
+              <a:t>3/24/20</a:t>
             </a:fld>
             <a:endParaRPr lang="en-US"/>
           </a:p>
@@ -866,7 +873,7 @@
           <a:p>
             <a:fld id="{D02B87DF-10C3-7349-9289-D53C451130DB}" type="datetimeFigureOut">
               <a:rPr lang="en-US" smtClean="0"/>
-              <a:t>3/23/20</a:t>
+              <a:t>3/24/20</a:t>
             </a:fld>
             <a:endParaRPr lang="en-US"/>
           </a:p>
@@ -1142,7 +1149,7 @@
           <a:p>
             <a:fld id="{D02B87DF-10C3-7349-9289-D53C451130DB}" type="datetimeFigureOut">
               <a:rPr lang="en-US" smtClean="0"/>
-              <a:t>3/23/20</a:t>
+              <a:t>3/24/20</a:t>
             </a:fld>
             <a:endParaRPr lang="en-US"/>
           </a:p>
@@ -1410,7 +1417,7 @@
           <a:p>
             <a:fld id="{D02B87DF-10C3-7349-9289-D53C451130DB}" type="datetimeFigureOut">
               <a:rPr lang="en-US" smtClean="0"/>
-              <a:t>3/23/20</a:t>
+              <a:t>3/24/20</a:t>
             </a:fld>
             <a:endParaRPr lang="en-US"/>
           </a:p>
@@ -1825,7 +1832,7 @@
           <a:p>
             <a:fld id="{D02B87DF-10C3-7349-9289-D53C451130DB}" type="datetimeFigureOut">
               <a:rPr lang="en-US" smtClean="0"/>
-              <a:t>3/23/20</a:t>
+              <a:t>3/24/20</a:t>
             </a:fld>
             <a:endParaRPr lang="en-US"/>
           </a:p>
@@ -1967,7 +1974,7 @@
           <a:p>
             <a:fld id="{D02B87DF-10C3-7349-9289-D53C451130DB}" type="datetimeFigureOut">
               <a:rPr lang="en-US" smtClean="0"/>
-              <a:t>3/23/20</a:t>
+              <a:t>3/24/20</a:t>
             </a:fld>
             <a:endParaRPr lang="en-US"/>
           </a:p>
@@ -2080,7 +2087,7 @@
           <a:p>
             <a:fld id="{D02B87DF-10C3-7349-9289-D53C451130DB}" type="datetimeFigureOut">
               <a:rPr lang="en-US" smtClean="0"/>
-              <a:t>3/23/20</a:t>
+              <a:t>3/24/20</a:t>
             </a:fld>
             <a:endParaRPr lang="en-US"/>
           </a:p>
@@ -2393,7 +2400,7 @@
           <a:p>
             <a:fld id="{D02B87DF-10C3-7349-9289-D53C451130DB}" type="datetimeFigureOut">
               <a:rPr lang="en-US" smtClean="0"/>
-              <a:t>3/23/20</a:t>
+              <a:t>3/24/20</a:t>
             </a:fld>
             <a:endParaRPr lang="en-US"/>
           </a:p>
@@ -2682,7 +2689,7 @@
           <a:p>
             <a:fld id="{D02B87DF-10C3-7349-9289-D53C451130DB}" type="datetimeFigureOut">
               <a:rPr lang="en-US" smtClean="0"/>
-              <a:t>3/23/20</a:t>
+              <a:t>3/24/20</a:t>
             </a:fld>
             <a:endParaRPr lang="en-US"/>
           </a:p>
@@ -2925,7 +2932,7 @@
           <a:p>
             <a:fld id="{D02B87DF-10C3-7349-9289-D53C451130DB}" type="datetimeFigureOut">
               <a:rPr lang="en-US" smtClean="0"/>
-              <a:t>3/23/20</a:t>
+              <a:t>3/24/20</a:t>
             </a:fld>
             <a:endParaRPr lang="en-US"/>
           </a:p>
@@ -3441,6 +3448,336 @@
 </p:sld>
 </file>
 
+<file path=ppt/slides/slide2.xml><?xml version="1.0" encoding="utf-8"?>
+<p:sld xmlns:a="http://schemas.openxmlformats.org/drawingml/2006/main" xmlns:r="http://schemas.openxmlformats.org/officeDocument/2006/relationships" xmlns:p="http://schemas.openxmlformats.org/presentationml/2006/main">
+  <p:cSld>
+    <p:spTree>
+      <p:nvGrpSpPr>
+        <p:cNvPr id="1" name=""/>
+        <p:cNvGrpSpPr/>
+        <p:nvPr/>
+      </p:nvGrpSpPr>
+      <p:grpSpPr>
+        <a:xfrm>
+          <a:off x="0" y="0"/>
+          <a:ext cx="0" cy="0"/>
+          <a:chOff x="0" y="0"/>
+          <a:chExt cx="0" cy="0"/>
+        </a:xfrm>
+      </p:grpSpPr>
+      <p:sp>
+        <p:nvSpPr>
+          <p:cNvPr id="2" name="Rectangle 1">
+            <a:extLst>
+              <a:ext uri="{FF2B5EF4-FFF2-40B4-BE49-F238E27FC236}">
+                <a16:creationId xmlns:a16="http://schemas.microsoft.com/office/drawing/2014/main" id="{44299109-83D6-884B-AF84-EC631C624D9B}"/>
+              </a:ext>
+            </a:extLst>
+          </p:cNvPr>
+          <p:cNvSpPr/>
+          <p:nvPr/>
+        </p:nvSpPr>
+        <p:spPr>
+          <a:xfrm>
+            <a:off x="359229" y="936171"/>
+            <a:ext cx="11038114" cy="4942115"/>
+          </a:xfrm>
+          <a:prstGeom prst="rect">
+            <a:avLst/>
+          </a:prstGeom>
+          <a:solidFill>
+            <a:schemeClr val="tx1"/>
+          </a:solidFill>
+        </p:spPr>
+        <p:style>
+          <a:lnRef idx="2">
+            <a:schemeClr val="accent1">
+              <a:shade val="50000"/>
+            </a:schemeClr>
+          </a:lnRef>
+          <a:fillRef idx="1">
+            <a:schemeClr val="accent1"/>
+          </a:fillRef>
+          <a:effectRef idx="0">
+            <a:schemeClr val="accent1"/>
+          </a:effectRef>
+          <a:fontRef idx="minor">
+            <a:schemeClr val="lt1"/>
+          </a:fontRef>
+        </p:style>
+        <p:txBody>
+          <a:bodyPr rtlCol="0" anchor="ctr"/>
+          <a:lstStyle/>
+          <a:p>
+            <a:pPr algn="ctr"/>
+            <a:endParaRPr lang="en-US"/>
+          </a:p>
+        </p:txBody>
+      </p:sp>
+      <p:pic>
+        <p:nvPicPr>
+          <p:cNvPr id="5" name="Picture 4" descr="A picture containing wheel, fruit, green, game&#10;&#10;Description automatically generated">
+            <a:extLst>
+              <a:ext uri="{FF2B5EF4-FFF2-40B4-BE49-F238E27FC236}">
+                <a16:creationId xmlns:a16="http://schemas.microsoft.com/office/drawing/2014/main" id="{8FD708CE-2995-0B4E-8FAD-2F306B80F12E}"/>
+              </a:ext>
+            </a:extLst>
+          </p:cNvPr>
+          <p:cNvPicPr>
+            <a:picLocks noChangeAspect="1"/>
+          </p:cNvPicPr>
+          <p:nvPr/>
+        </p:nvPicPr>
+        <p:blipFill>
+          <a:blip r:embed="rId2">
+            <a:extLst>
+              <a:ext uri="{BEBA8EAE-BF5A-486C-A8C5-ECC9F3942E4B}">
+                <a14:imgProps xmlns:a14="http://schemas.microsoft.com/office/drawing/2010/main">
+                  <a14:imgLayer r:embed="rId3">
+                    <a14:imgEffect>
+                      <a14:backgroundRemoval t="5072" b="95921" l="4729" r="93426">
+                        <a14:foregroundMark x1="9919" y1="32745" x2="7382" y2="39361"/>
+                        <a14:foregroundMark x1="7382" y1="39361" x2="2307" y2="44322"/>
+                        <a14:foregroundMark x1="2307" y1="44322" x2="8189" y2="49063"/>
+                        <a14:foregroundMark x1="8189" y1="49063" x2="16032" y2="51929"/>
+                        <a14:foregroundMark x1="16032" y1="51929" x2="17416" y2="51929"/>
+                        <a14:foregroundMark x1="5075" y1="45204" x2="4729" y2="45424"/>
+                        <a14:foregroundMark x1="70242" y1="76406" x2="70242" y2="76406"/>
+                        <a14:foregroundMark x1="42561" y1="87211" x2="39908" y2="93826"/>
+                        <a14:foregroundMark x1="39908" y1="93826" x2="46828" y2="90187"/>
+                        <a14:foregroundMark x1="46828" y1="90187" x2="42907" y2="87321"/>
+                        <a14:foregroundMark x1="51672" y1="89085" x2="53403" y2="95921"/>
+                        <a14:foregroundMark x1="53403" y1="95921" x2="52018" y2="89305"/>
+                        <a14:foregroundMark x1="84083" y1="60970" x2="84083" y2="60970"/>
+                        <a14:foregroundMark x1="83506" y1="61521" x2="83506" y2="61521"/>
+                        <a14:foregroundMark x1="37601" y1="12128" x2="38524" y2="5072"/>
+                        <a14:foregroundMark x1="38524" y1="5072" x2="42445" y2="11356"/>
+                        <a14:foregroundMark x1="42445" y1="11356" x2="37601" y2="11797"/>
+                        <a14:foregroundMark x1="72549" y1="22381" x2="72549" y2="22381"/>
+                        <a14:foregroundMark x1="63668" y1="29438" x2="63668" y2="29438"/>
+                        <a14:foregroundMark x1="84775" y1="28556" x2="91811" y2="30981"/>
+                        <a14:foregroundMark x1="91811" y1="30981" x2="88005" y2="37707"/>
+                        <a14:foregroundMark x1="88005" y1="37707" x2="85582" y2="30981"/>
+                        <a14:foregroundMark x1="85582" y1="30981" x2="85928" y2="29879"/>
+                        <a14:foregroundMark x1="88697" y1="35281" x2="95040" y2="39471"/>
+                        <a14:foregroundMark x1="95040" y1="39471" x2="92618" y2="46086"/>
+                        <a14:foregroundMark x1="92618" y1="46086" x2="97693" y2="51488"/>
+                        <a14:foregroundMark x1="97693" y1="51488" x2="93426" y2="57222"/>
+                        <a14:foregroundMark x1="93426" y1="57222" x2="91465" y2="64057"/>
+                        <a14:foregroundMark x1="91465" y1="64057" x2="85006" y2="67475"/>
+                        <a14:foregroundMark x1="85006" y1="67475" x2="82584" y2="59537"/>
+                        <a14:foregroundMark x1="82584" y1="59537" x2="84429" y2="51378"/>
+                        <a14:foregroundMark x1="84429" y1="51378" x2="83160" y2="43330"/>
+                        <a14:foregroundMark x1="83160" y1="43330" x2="86044" y2="36714"/>
+                        <a14:foregroundMark x1="86044" y1="36714" x2="88581" y2="36384"/>
+                        <a14:foregroundMark x1="46597" y1="8159" x2="46136" y2="8600"/>
+                        <a14:foregroundMark x1="58016" y1="7056" x2="58016" y2="6836"/>
+                        <a14:foregroundMark x1="85928" y1="29327" x2="93310" y2="31974"/>
+                        <a14:foregroundMark x1="93310" y1="31974" x2="87659" y2="36935"/>
+                        <a14:foregroundMark x1="87659" y1="36935" x2="87313" y2="30540"/>
+                        <a14:foregroundMark x1="6459" y1="51488" x2="10496" y2="57442"/>
+                        <a14:foregroundMark x1="10496" y1="57442" x2="6459" y2="51599"/>
+                        <a14:foregroundMark x1="6459" y1="51599" x2="6228" y2="51599"/>
+                        <a14:backgroundMark x1="4037" y1="39361" x2="4614" y2="39581"/>
+                      </a14:backgroundRemoval>
+                    </a14:imgEffect>
+                  </a14:imgLayer>
+                </a14:imgProps>
+              </a:ext>
+            </a:extLst>
+          </a:blip>
+          <a:stretch>
+            <a:fillRect/>
+          </a:stretch>
+        </p:blipFill>
+        <p:spPr>
+          <a:xfrm>
+            <a:off x="1359537" y="1970315"/>
+            <a:ext cx="2787919" cy="2916543"/>
+          </a:xfrm>
+          <a:prstGeom prst="rect">
+            <a:avLst/>
+          </a:prstGeom>
+        </p:spPr>
+      </p:pic>
+    </p:spTree>
+    <p:extLst>
+      <p:ext uri="{BB962C8B-B14F-4D97-AF65-F5344CB8AC3E}">
+        <p14:creationId xmlns:p14="http://schemas.microsoft.com/office/powerpoint/2010/main" val="1417758207"/>
+      </p:ext>
+    </p:extLst>
+  </p:cSld>
+  <p:clrMapOvr>
+    <a:masterClrMapping/>
+  </p:clrMapOvr>
+</p:sld>
+</file>
+
+<file path=ppt/slides/slide3.xml><?xml version="1.0" encoding="utf-8"?>
+<p:sld xmlns:a="http://schemas.openxmlformats.org/drawingml/2006/main" xmlns:r="http://schemas.openxmlformats.org/officeDocument/2006/relationships" xmlns:p="http://schemas.openxmlformats.org/presentationml/2006/main">
+  <p:cSld>
+    <p:spTree>
+      <p:nvGrpSpPr>
+        <p:cNvPr id="1" name=""/>
+        <p:cNvGrpSpPr/>
+        <p:nvPr/>
+      </p:nvGrpSpPr>
+      <p:grpSpPr>
+        <a:xfrm>
+          <a:off x="0" y="0"/>
+          <a:ext cx="0" cy="0"/>
+          <a:chOff x="0" y="0"/>
+          <a:chExt cx="0" cy="0"/>
+        </a:xfrm>
+      </p:grpSpPr>
+      <p:sp>
+        <p:nvSpPr>
+          <p:cNvPr id="4" name="Rectangle 3">
+            <a:extLst>
+              <a:ext uri="{FF2B5EF4-FFF2-40B4-BE49-F238E27FC236}">
+                <a16:creationId xmlns:a16="http://schemas.microsoft.com/office/drawing/2014/main" id="{AF26A5E3-FDA5-D446-96CA-F8553F2D0872}"/>
+              </a:ext>
+            </a:extLst>
+          </p:cNvPr>
+          <p:cNvSpPr/>
+          <p:nvPr/>
+        </p:nvSpPr>
+        <p:spPr>
+          <a:xfrm>
+            <a:off x="0" y="0"/>
+            <a:ext cx="12192000" cy="6858000"/>
+          </a:xfrm>
+          <a:prstGeom prst="rect">
+            <a:avLst/>
+          </a:prstGeom>
+          <a:solidFill>
+            <a:schemeClr val="tx1"/>
+          </a:solidFill>
+        </p:spPr>
+        <p:style>
+          <a:lnRef idx="2">
+            <a:schemeClr val="accent1">
+              <a:shade val="50000"/>
+            </a:schemeClr>
+          </a:lnRef>
+          <a:fillRef idx="1">
+            <a:schemeClr val="accent1"/>
+          </a:fillRef>
+          <a:effectRef idx="0">
+            <a:schemeClr val="accent1"/>
+          </a:effectRef>
+          <a:fontRef idx="minor">
+            <a:schemeClr val="lt1"/>
+          </a:fontRef>
+        </p:style>
+        <p:txBody>
+          <a:bodyPr rtlCol="0" anchor="ctr"/>
+          <a:lstStyle/>
+          <a:p>
+            <a:pPr algn="ctr"/>
+            <a:endParaRPr lang="en-US"/>
+          </a:p>
+        </p:txBody>
+      </p:sp>
+      <p:pic>
+        <p:nvPicPr>
+          <p:cNvPr id="5" name="Picture 4" descr="A picture containing wheel, fruit, green, game&#10;&#10;Description automatically generated">
+            <a:extLst>
+              <a:ext uri="{FF2B5EF4-FFF2-40B4-BE49-F238E27FC236}">
+                <a16:creationId xmlns:a16="http://schemas.microsoft.com/office/drawing/2014/main" id="{9F7E9303-0A36-0943-A0C5-0CB8D975F672}"/>
+              </a:ext>
+            </a:extLst>
+          </p:cNvPr>
+          <p:cNvPicPr>
+            <a:picLocks noChangeAspect="1"/>
+          </p:cNvPicPr>
+          <p:nvPr/>
+        </p:nvPicPr>
+        <p:blipFill>
+          <a:blip r:embed="rId2">
+            <a:extLst>
+              <a:ext uri="{BEBA8EAE-BF5A-486C-A8C5-ECC9F3942E4B}">
+                <a14:imgProps xmlns:a14="http://schemas.microsoft.com/office/drawing/2010/main">
+                  <a14:imgLayer r:embed="rId3">
+                    <a14:imgEffect>
+                      <a14:backgroundRemoval t="5072" b="95921" l="4729" r="93426">
+                        <a14:foregroundMark x1="9919" y1="32745" x2="7382" y2="39361"/>
+                        <a14:foregroundMark x1="7382" y1="39361" x2="2307" y2="44322"/>
+                        <a14:foregroundMark x1="2307" y1="44322" x2="8189" y2="49063"/>
+                        <a14:foregroundMark x1="8189" y1="49063" x2="16032" y2="51929"/>
+                        <a14:foregroundMark x1="16032" y1="51929" x2="17416" y2="51929"/>
+                        <a14:foregroundMark x1="5075" y1="45204" x2="4729" y2="45424"/>
+                        <a14:foregroundMark x1="70242" y1="76406" x2="70242" y2="76406"/>
+                        <a14:foregroundMark x1="42561" y1="87211" x2="39908" y2="93826"/>
+                        <a14:foregroundMark x1="39908" y1="93826" x2="46828" y2="90187"/>
+                        <a14:foregroundMark x1="46828" y1="90187" x2="42907" y2="87321"/>
+                        <a14:foregroundMark x1="51672" y1="89085" x2="53403" y2="95921"/>
+                        <a14:foregroundMark x1="53403" y1="95921" x2="52018" y2="89305"/>
+                        <a14:foregroundMark x1="84083" y1="60970" x2="84083" y2="60970"/>
+                        <a14:foregroundMark x1="83506" y1="61521" x2="83506" y2="61521"/>
+                        <a14:foregroundMark x1="37601" y1="12128" x2="38524" y2="5072"/>
+                        <a14:foregroundMark x1="38524" y1="5072" x2="42445" y2="11356"/>
+                        <a14:foregroundMark x1="42445" y1="11356" x2="37601" y2="11797"/>
+                        <a14:foregroundMark x1="72549" y1="22381" x2="72549" y2="22381"/>
+                        <a14:foregroundMark x1="63668" y1="29438" x2="63668" y2="29438"/>
+                        <a14:foregroundMark x1="84775" y1="28556" x2="91811" y2="30981"/>
+                        <a14:foregroundMark x1="91811" y1="30981" x2="88005" y2="37707"/>
+                        <a14:foregroundMark x1="88005" y1="37707" x2="85582" y2="30981"/>
+                        <a14:foregroundMark x1="85582" y1="30981" x2="85928" y2="29879"/>
+                        <a14:foregroundMark x1="88697" y1="35281" x2="95040" y2="39471"/>
+                        <a14:foregroundMark x1="95040" y1="39471" x2="92618" y2="46086"/>
+                        <a14:foregroundMark x1="92618" y1="46086" x2="97693" y2="51488"/>
+                        <a14:foregroundMark x1="97693" y1="51488" x2="93426" y2="57222"/>
+                        <a14:foregroundMark x1="93426" y1="57222" x2="91465" y2="64057"/>
+                        <a14:foregroundMark x1="91465" y1="64057" x2="85006" y2="67475"/>
+                        <a14:foregroundMark x1="85006" y1="67475" x2="82584" y2="59537"/>
+                        <a14:foregroundMark x1="82584" y1="59537" x2="84429" y2="51378"/>
+                        <a14:foregroundMark x1="84429" y1="51378" x2="83160" y2="43330"/>
+                        <a14:foregroundMark x1="83160" y1="43330" x2="86044" y2="36714"/>
+                        <a14:foregroundMark x1="86044" y1="36714" x2="88581" y2="36384"/>
+                        <a14:foregroundMark x1="46597" y1="8159" x2="46136" y2="8600"/>
+                        <a14:foregroundMark x1="58016" y1="7056" x2="58016" y2="6836"/>
+                        <a14:foregroundMark x1="85928" y1="29327" x2="93310" y2="31974"/>
+                        <a14:foregroundMark x1="93310" y1="31974" x2="87659" y2="36935"/>
+                        <a14:foregroundMark x1="87659" y1="36935" x2="87313" y2="30540"/>
+                        <a14:foregroundMark x1="6459" y1="51488" x2="10496" y2="57442"/>
+                        <a14:foregroundMark x1="10496" y1="57442" x2="6459" y2="51599"/>
+                        <a14:foregroundMark x1="6459" y1="51599" x2="6228" y2="51599"/>
+                        <a14:backgroundMark x1="4037" y1="39361" x2="4614" y2="39581"/>
+                      </a14:backgroundRemoval>
+                    </a14:imgEffect>
+                  </a14:imgLayer>
+                </a14:imgProps>
+              </a:ext>
+            </a:extLst>
+          </a:blip>
+          <a:stretch>
+            <a:fillRect/>
+          </a:stretch>
+        </p:blipFill>
+        <p:spPr>
+          <a:xfrm>
+            <a:off x="749937" y="1116632"/>
+            <a:ext cx="4420777" cy="4624735"/>
+          </a:xfrm>
+          <a:prstGeom prst="rect">
+            <a:avLst/>
+          </a:prstGeom>
+        </p:spPr>
+      </p:pic>
+    </p:spTree>
+    <p:extLst>
+      <p:ext uri="{BB962C8B-B14F-4D97-AF65-F5344CB8AC3E}">
+        <p14:creationId xmlns:p14="http://schemas.microsoft.com/office/powerpoint/2010/main" val="2394903929"/>
+      </p:ext>
+    </p:extLst>
+  </p:cSld>
+  <p:clrMapOvr>
+    <a:masterClrMapping/>
+  </p:clrMapOvr>
+</p:sld>
+</file>
+
 <file path=ppt/theme/theme1.xml><?xml version="1.0" encoding="utf-8"?>
 <a:theme xmlns:a="http://schemas.openxmlformats.org/drawingml/2006/main" name="Office Theme">
   <a:themeElements>
